--- a/Гороскоп.pptx
+++ b/Гороскоп.pptx
@@ -349,7 +349,7 @@
           <a:p>
             <a:fld id="{39F550A3-ADC0-42DE-9C09-50E0B89FB462}" type="datetimeFigureOut">
               <a:rPr lang="ru-RU" smtClean="0"/>
-              <a:t>23.04.2021</a:t>
+              <a:t>24.04.2021</a:t>
             </a:fld>
             <a:endParaRPr lang="ru-RU"/>
           </a:p>
@@ -519,7 +519,7 @@
           <a:p>
             <a:fld id="{39F550A3-ADC0-42DE-9C09-50E0B89FB462}" type="datetimeFigureOut">
               <a:rPr lang="ru-RU" smtClean="0"/>
-              <a:t>23.04.2021</a:t>
+              <a:t>24.04.2021</a:t>
             </a:fld>
             <a:endParaRPr lang="ru-RU"/>
           </a:p>
@@ -694,7 +694,7 @@
           <a:p>
             <a:fld id="{39F550A3-ADC0-42DE-9C09-50E0B89FB462}" type="datetimeFigureOut">
               <a:rPr lang="ru-RU" smtClean="0"/>
-              <a:t>23.04.2021</a:t>
+              <a:t>24.04.2021</a:t>
             </a:fld>
             <a:endParaRPr lang="ru-RU"/>
           </a:p>
@@ -859,7 +859,7 @@
           <a:p>
             <a:fld id="{39F550A3-ADC0-42DE-9C09-50E0B89FB462}" type="datetimeFigureOut">
               <a:rPr lang="ru-RU" smtClean="0"/>
-              <a:t>23.04.2021</a:t>
+              <a:t>24.04.2021</a:t>
             </a:fld>
             <a:endParaRPr lang="ru-RU"/>
           </a:p>
@@ -1116,7 +1116,7 @@
           <a:p>
             <a:fld id="{39F550A3-ADC0-42DE-9C09-50E0B89FB462}" type="datetimeFigureOut">
               <a:rPr lang="ru-RU" smtClean="0"/>
-              <a:t>23.04.2021</a:t>
+              <a:t>24.04.2021</a:t>
             </a:fld>
             <a:endParaRPr lang="ru-RU"/>
           </a:p>
@@ -1256,7 +1256,7 @@
           <a:p>
             <a:fld id="{39F550A3-ADC0-42DE-9C09-50E0B89FB462}" type="datetimeFigureOut">
               <a:rPr lang="ru-RU" smtClean="0"/>
-              <a:t>23.04.2021</a:t>
+              <a:t>24.04.2021</a:t>
             </a:fld>
             <a:endParaRPr lang="ru-RU"/>
           </a:p>
@@ -1906,7 +1906,7 @@
           <a:p>
             <a:fld id="{39F550A3-ADC0-42DE-9C09-50E0B89FB462}" type="datetimeFigureOut">
               <a:rPr lang="ru-RU" smtClean="0"/>
-              <a:t>23.04.2021</a:t>
+              <a:t>24.04.2021</a:t>
             </a:fld>
             <a:endParaRPr lang="ru-RU"/>
           </a:p>
@@ -2019,7 +2019,7 @@
           <a:p>
             <a:fld id="{39F550A3-ADC0-42DE-9C09-50E0B89FB462}" type="datetimeFigureOut">
               <a:rPr lang="ru-RU" smtClean="0"/>
-              <a:t>23.04.2021</a:t>
+              <a:t>24.04.2021</a:t>
             </a:fld>
             <a:endParaRPr lang="ru-RU"/>
           </a:p>
@@ -2109,7 +2109,7 @@
           <a:p>
             <a:fld id="{39F550A3-ADC0-42DE-9C09-50E0B89FB462}" type="datetimeFigureOut">
               <a:rPr lang="ru-RU" smtClean="0"/>
-              <a:t>23.04.2021</a:t>
+              <a:t>24.04.2021</a:t>
             </a:fld>
             <a:endParaRPr lang="ru-RU"/>
           </a:p>
@@ -2399,7 +2399,7 @@
           <a:p>
             <a:fld id="{39F550A3-ADC0-42DE-9C09-50E0B89FB462}" type="datetimeFigureOut">
               <a:rPr lang="ru-RU" smtClean="0"/>
-              <a:t>23.04.2021</a:t>
+              <a:t>24.04.2021</a:t>
             </a:fld>
             <a:endParaRPr lang="ru-RU"/>
           </a:p>
@@ -2722,7 +2722,7 @@
           <a:p>
             <a:fld id="{39F550A3-ADC0-42DE-9C09-50E0B89FB462}" type="datetimeFigureOut">
               <a:rPr lang="ru-RU" smtClean="0"/>
-              <a:t>23.04.2021</a:t>
+              <a:t>24.04.2021</a:t>
             </a:fld>
             <a:endParaRPr lang="ru-RU"/>
           </a:p>
@@ -3179,7 +3179,7 @@
           <a:p>
             <a:fld id="{39F550A3-ADC0-42DE-9C09-50E0B89FB462}" type="datetimeFigureOut">
               <a:rPr lang="ru-RU" smtClean="0"/>
-              <a:t>23.04.2021</a:t>
+              <a:t>24.04.2021</a:t>
             </a:fld>
             <a:endParaRPr lang="ru-RU"/>
           </a:p>
@@ -4450,8 +4450,66 @@
           <a:p>
             <a:r>
               <a:rPr lang="ru-RU" dirty="0" smtClean="0"/>
-              <a:t>Использованные технологии:</a:t>
-            </a:r>
+              <a:t>Использованные технологии</a:t>
+            </a:r>
+            <a:r>
+              <a:rPr lang="ru-RU" dirty="0" smtClean="0"/>
+              <a:t>:</a:t>
+            </a:r>
+          </a:p>
+          <a:p>
+            <a:pPr>
+              <a:buFont typeface="Arial" panose="020B0604020202020204" pitchFamily="34" charset="0"/>
+              <a:buChar char="•"/>
+            </a:pPr>
+            <a:r>
+              <a:rPr lang="en-US" dirty="0" smtClean="0"/>
+              <a:t>SQL </a:t>
+            </a:r>
+            <a:r>
+              <a:rPr lang="ru-RU" dirty="0" smtClean="0"/>
+              <a:t>база</a:t>
+            </a:r>
+          </a:p>
+          <a:p>
+            <a:pPr>
+              <a:buFont typeface="Arial" panose="020B0604020202020204" pitchFamily="34" charset="0"/>
+              <a:buChar char="•"/>
+            </a:pPr>
+            <a:r>
+              <a:rPr lang="en-US" dirty="0" err="1" smtClean="0"/>
+              <a:t>SqlAlchemy</a:t>
+            </a:r>
+            <a:endParaRPr lang="en-US" dirty="0" smtClean="0"/>
+          </a:p>
+          <a:p>
+            <a:pPr>
+              <a:buFont typeface="Arial" panose="020B0604020202020204" pitchFamily="34" charset="0"/>
+              <a:buChar char="•"/>
+            </a:pPr>
+            <a:r>
+              <a:rPr lang="en-US" dirty="0" smtClean="0"/>
+              <a:t>Flask, flask-login, flask-wtf</a:t>
+            </a:r>
+          </a:p>
+          <a:p>
+            <a:pPr>
+              <a:buFont typeface="Arial" panose="020B0604020202020204" pitchFamily="34" charset="0"/>
+              <a:buChar char="•"/>
+            </a:pPr>
+            <a:r>
+              <a:rPr lang="en-US" dirty="0" err="1" smtClean="0"/>
+              <a:t>Json</a:t>
+            </a:r>
+            <a:r>
+              <a:rPr lang="en-US" dirty="0" smtClean="0"/>
+              <a:t> </a:t>
+            </a:r>
+            <a:r>
+              <a:rPr lang="ru-RU" dirty="0" smtClean="0"/>
+              <a:t>файлы</a:t>
+            </a:r>
+            <a:endParaRPr lang="ru-RU" dirty="0" smtClean="0"/>
           </a:p>
           <a:p>
             <a:endParaRPr lang="ru-RU" dirty="0"/>
@@ -4535,12 +4593,43 @@
             <p:ph idx="1"/>
           </p:nvPr>
         </p:nvSpPr>
-        <p:spPr/>
-        <p:txBody>
-          <a:bodyPr/>
-          <a:lstStyle/>
-          <a:p>
-            <a:endParaRPr lang="ru-RU"/>
+        <p:spPr>
+          <a:xfrm>
+            <a:off x="2267744" y="1124744"/>
+            <a:ext cx="6096000" cy="3657599"/>
+          </a:xfrm>
+        </p:spPr>
+        <p:txBody>
+          <a:bodyPr/>
+          <a:lstStyle/>
+          <a:p>
+            <a:endParaRPr lang="ru-RU" dirty="0" smtClean="0"/>
+          </a:p>
+          <a:p>
+            <a:r>
+              <a:rPr lang="ru-RU" dirty="0" smtClean="0"/>
+              <a:t>Возможности для доработки и развития:</a:t>
+            </a:r>
+          </a:p>
+          <a:p>
+            <a:pPr>
+              <a:buFont typeface="Arial" panose="020B0604020202020204" pitchFamily="34" charset="0"/>
+              <a:buChar char="•"/>
+            </a:pPr>
+            <a:r>
+              <a:rPr lang="ru-RU" dirty="0" smtClean="0"/>
+              <a:t>Установление с</a:t>
+            </a:r>
+            <a:r>
+              <a:rPr lang="ru-RU" dirty="0" smtClean="0"/>
+              <a:t>вязи со звездами (специализированными сайтами) для выдачи предсказаний</a:t>
+            </a:r>
+          </a:p>
+          <a:p>
+            <a:pPr marL="18288" indent="0">
+              <a:buNone/>
+            </a:pPr>
+            <a:endParaRPr lang="ru-RU" dirty="0"/>
           </a:p>
         </p:txBody>
       </p:sp>

--- a/Гороскоп.pptx
+++ b/Гороскоп.pptx
@@ -4165,11 +4165,12 @@
             </a:r>
             <a:r>
               <a:rPr lang="ru-RU" dirty="0"/>
-              <a:t>main.py - запускаемый файл</a:t>
-            </a:r>
-            <a:br>
-              <a:rPr lang="ru-RU" dirty="0"/>
-            </a:br>
+              <a:t>main.py - запускаемый </a:t>
+            </a:r>
+            <a:r>
+              <a:rPr lang="ru-RU" dirty="0" smtClean="0"/>
+              <a:t>файл</a:t>
+            </a:r>
             <a:endParaRPr lang="ru-RU" dirty="0"/>
           </a:p>
         </p:txBody>
@@ -4264,7 +4265,7 @@
         </p:spPr>
         <p:txBody>
           <a:bodyPr>
-            <a:normAutofit fontScale="85000" lnSpcReduction="20000"/>
+            <a:normAutofit/>
           </a:bodyPr>
           <a:lstStyle/>
           <a:p>
@@ -4331,28 +4332,6 @@
             <a:r>
               <a:rPr lang="ru-RU" dirty="0"/>
               <a:t>Страница с гороскопом: краткое описание знака зодиака, предсказание на день и картинка знака</a:t>
-            </a:r>
-            <a:br>
-              <a:rPr lang="ru-RU" dirty="0"/>
-            </a:br>
-            <a:r>
-              <a:rPr lang="ru-RU" dirty="0"/>
-              <a:t>Примечание: если авторизированный пользователь не вышел из своего аккаунта, главная страница автоматически перебросит в гороскоп</a:t>
-            </a:r>
-            <a:br>
-              <a:rPr lang="ru-RU" dirty="0"/>
-            </a:br>
-            <a:r>
-              <a:rPr lang="ru-RU" dirty="0"/>
-              <a:t>            чтобы выйти со </a:t>
-            </a:r>
-            <a:r>
-              <a:rPr lang="ru-RU" dirty="0" smtClean="0"/>
-              <a:t>страницы </a:t>
-            </a:r>
-            <a:r>
-              <a:rPr lang="ru-RU" dirty="0"/>
-              <a:t>гороскопа на главную необходимо ткнуть на иконку со своим именем в правом верхнем углу</a:t>
             </a:r>
             <a:br>
               <a:rPr lang="ru-RU" dirty="0"/>
@@ -4450,11 +4429,7 @@
           <a:p>
             <a:r>
               <a:rPr lang="ru-RU" dirty="0" smtClean="0"/>
-              <a:t>Использованные технологии</a:t>
-            </a:r>
-            <a:r>
-              <a:rPr lang="ru-RU" dirty="0" smtClean="0"/>
-              <a:t>:</a:t>
+              <a:t>Использованные технологии:</a:t>
             </a:r>
           </a:p>
           <a:p>
@@ -4508,6 +4483,16 @@
             <a:r>
               <a:rPr lang="ru-RU" dirty="0" smtClean="0"/>
               <a:t>файлы</a:t>
+            </a:r>
+          </a:p>
+          <a:p>
+            <a:pPr>
+              <a:buFont typeface="Arial" panose="020B0604020202020204" pitchFamily="34" charset="0"/>
+              <a:buChar char="•"/>
+            </a:pPr>
+            <a:r>
+              <a:rPr lang="en-US" dirty="0" smtClean="0"/>
+              <a:t>CSS</a:t>
             </a:r>
             <a:endParaRPr lang="ru-RU" dirty="0" smtClean="0"/>
           </a:p>
@@ -4618,11 +4603,7 @@
             </a:pPr>
             <a:r>
               <a:rPr lang="ru-RU" dirty="0" smtClean="0"/>
-              <a:t>Установление с</a:t>
-            </a:r>
-            <a:r>
-              <a:rPr lang="ru-RU" dirty="0" smtClean="0"/>
-              <a:t>вязи со звездами (специализированными сайтами) для выдачи предсказаний</a:t>
+              <a:t>Установление связи со звездами (специализированными сайтами) для выдачи предсказаний</a:t>
             </a:r>
           </a:p>
           <a:p>
